--- a/跳一跳.pptx
+++ b/跳一跳.pptx
@@ -227,7 +227,7 @@
           <a:p>
             <a:fld id="{7026E09E-12D1-944E-9541-92296BAF451B}" type="datetimeFigureOut">
               <a:rPr kumimoji="1" lang="zh-CN" altLang="en-US" smtClean="0"/>
-              <a:t>2018/1/26</a:t>
+              <a:t>2018/2/6</a:t>
             </a:fld>
             <a:endParaRPr kumimoji="1" lang="zh-CN" altLang="en-US"/>
           </a:p>
@@ -495,6 +495,174 @@
 </p:notesMaster>
 </file>
 
+<file path=ppt/notesSlides/notesSlide1.xml><?xml version="1.0" encoding="utf-8"?>
+<p:notes xmlns:a="http://schemas.openxmlformats.org/drawingml/2006/main" xmlns:r="http://schemas.openxmlformats.org/officeDocument/2006/relationships" xmlns:p="http://schemas.openxmlformats.org/presentationml/2006/main">
+  <p:cSld>
+    <p:spTree>
+      <p:nvGrpSpPr>
+        <p:cNvPr id="1" name=""/>
+        <p:cNvGrpSpPr/>
+        <p:nvPr/>
+      </p:nvGrpSpPr>
+      <p:grpSpPr>
+        <a:xfrm>
+          <a:off x="0" y="0"/>
+          <a:ext cx="0" cy="0"/>
+          <a:chOff x="0" y="0"/>
+          <a:chExt cx="0" cy="0"/>
+        </a:xfrm>
+      </p:grpSpPr>
+      <p:sp>
+        <p:nvSpPr>
+          <p:cNvPr id="2" name="幻灯片图像占位符 1"/>
+          <p:cNvSpPr>
+            <a:spLocks noGrp="1" noRot="1" noChangeAspect="1"/>
+          </p:cNvSpPr>
+          <p:nvPr>
+            <p:ph type="sldImg"/>
+          </p:nvPr>
+        </p:nvSpPr>
+        <p:spPr/>
+      </p:sp>
+      <p:sp>
+        <p:nvSpPr>
+          <p:cNvPr id="3" name="备注占位符 2"/>
+          <p:cNvSpPr>
+            <a:spLocks noGrp="1"/>
+          </p:cNvSpPr>
+          <p:nvPr>
+            <p:ph type="body" idx="1"/>
+          </p:nvPr>
+        </p:nvSpPr>
+        <p:spPr/>
+        <p:txBody>
+          <a:bodyPr/>
+          <a:lstStyle/>
+          <a:p>
+            <a:endParaRPr kumimoji="1" lang="zh-CN" altLang="en-US" dirty="0"/>
+          </a:p>
+        </p:txBody>
+      </p:sp>
+      <p:sp>
+        <p:nvSpPr>
+          <p:cNvPr id="4" name="幻灯片编号占位符 3"/>
+          <p:cNvSpPr>
+            <a:spLocks noGrp="1"/>
+          </p:cNvSpPr>
+          <p:nvPr>
+            <p:ph type="sldNum" sz="quarter" idx="10"/>
+          </p:nvPr>
+        </p:nvSpPr>
+        <p:spPr/>
+        <p:txBody>
+          <a:bodyPr/>
+          <a:lstStyle/>
+          <a:p>
+            <a:fld id="{8B23B1E5-C22A-0749-968C-7A761042C69F}" type="slidenum">
+              <a:rPr kumimoji="1" lang="zh-CN" altLang="en-US" smtClean="0"/>
+              <a:t>11</a:t>
+            </a:fld>
+            <a:endParaRPr kumimoji="1" lang="zh-CN" altLang="en-US"/>
+          </a:p>
+        </p:txBody>
+      </p:sp>
+    </p:spTree>
+    <p:extLst>
+      <p:ext uri="{BB962C8B-B14F-4D97-AF65-F5344CB8AC3E}">
+        <p14:creationId xmlns:p14="http://schemas.microsoft.com/office/powerpoint/2010/main" val="662137041"/>
+      </p:ext>
+    </p:extLst>
+  </p:cSld>
+  <p:clrMapOvr>
+    <a:masterClrMapping/>
+  </p:clrMapOvr>
+</p:notes>
+</file>
+
+<file path=ppt/notesSlides/notesSlide2.xml><?xml version="1.0" encoding="utf-8"?>
+<p:notes xmlns:a="http://schemas.openxmlformats.org/drawingml/2006/main" xmlns:r="http://schemas.openxmlformats.org/officeDocument/2006/relationships" xmlns:p="http://schemas.openxmlformats.org/presentationml/2006/main">
+  <p:cSld>
+    <p:spTree>
+      <p:nvGrpSpPr>
+        <p:cNvPr id="1" name=""/>
+        <p:cNvGrpSpPr/>
+        <p:nvPr/>
+      </p:nvGrpSpPr>
+      <p:grpSpPr>
+        <a:xfrm>
+          <a:off x="0" y="0"/>
+          <a:ext cx="0" cy="0"/>
+          <a:chOff x="0" y="0"/>
+          <a:chExt cx="0" cy="0"/>
+        </a:xfrm>
+      </p:grpSpPr>
+      <p:sp>
+        <p:nvSpPr>
+          <p:cNvPr id="2" name="幻灯片图像占位符 1"/>
+          <p:cNvSpPr>
+            <a:spLocks noGrp="1" noRot="1" noChangeAspect="1"/>
+          </p:cNvSpPr>
+          <p:nvPr>
+            <p:ph type="sldImg"/>
+          </p:nvPr>
+        </p:nvSpPr>
+        <p:spPr/>
+      </p:sp>
+      <p:sp>
+        <p:nvSpPr>
+          <p:cNvPr id="3" name="备注占位符 2"/>
+          <p:cNvSpPr>
+            <a:spLocks noGrp="1"/>
+          </p:cNvSpPr>
+          <p:nvPr>
+            <p:ph type="body" idx="1"/>
+          </p:nvPr>
+        </p:nvSpPr>
+        <p:spPr/>
+        <p:txBody>
+          <a:bodyPr/>
+          <a:lstStyle/>
+          <a:p>
+            <a:endParaRPr kumimoji="1" lang="zh-CN" altLang="en-US" dirty="0"/>
+          </a:p>
+        </p:txBody>
+      </p:sp>
+      <p:sp>
+        <p:nvSpPr>
+          <p:cNvPr id="4" name="幻灯片编号占位符 3"/>
+          <p:cNvSpPr>
+            <a:spLocks noGrp="1"/>
+          </p:cNvSpPr>
+          <p:nvPr>
+            <p:ph type="sldNum" sz="quarter" idx="10"/>
+          </p:nvPr>
+        </p:nvSpPr>
+        <p:spPr/>
+        <p:txBody>
+          <a:bodyPr/>
+          <a:lstStyle/>
+          <a:p>
+            <a:fld id="{8B23B1E5-C22A-0749-968C-7A761042C69F}" type="slidenum">
+              <a:rPr kumimoji="1" lang="zh-CN" altLang="en-US" smtClean="0"/>
+              <a:t>17</a:t>
+            </a:fld>
+            <a:endParaRPr kumimoji="1" lang="zh-CN" altLang="en-US"/>
+          </a:p>
+        </p:txBody>
+      </p:sp>
+    </p:spTree>
+    <p:extLst>
+      <p:ext uri="{BB962C8B-B14F-4D97-AF65-F5344CB8AC3E}">
+        <p14:creationId xmlns:p14="http://schemas.microsoft.com/office/powerpoint/2010/main" val="1403029428"/>
+      </p:ext>
+    </p:extLst>
+  </p:cSld>
+  <p:clrMapOvr>
+    <a:masterClrMapping/>
+  </p:clrMapOvr>
+</p:notes>
+</file>
+
 <file path=ppt/slideLayouts/slideLayout1.xml><?xml version="1.0" encoding="utf-8"?>
 <p:sldLayout xmlns:a="http://schemas.openxmlformats.org/drawingml/2006/main" xmlns:r="http://schemas.openxmlformats.org/officeDocument/2006/relationships" xmlns:p="http://schemas.openxmlformats.org/presentationml/2006/main" type="title" preserve="1">
   <p:cSld name="标题幻灯片">
@@ -626,7 +794,7 @@
           <a:p>
             <a:fld id="{43DBB203-77DC-FE45-8F72-021036E4C90A}" type="datetimeFigureOut">
               <a:rPr kumimoji="1" lang="zh-CN" altLang="en-US" smtClean="0"/>
-              <a:t>2018/1/26</a:t>
+              <a:t>2018/2/6</a:t>
             </a:fld>
             <a:endParaRPr kumimoji="1" lang="zh-CN" altLang="en-US"/>
           </a:p>
@@ -796,7 +964,7 @@
           <a:p>
             <a:fld id="{43DBB203-77DC-FE45-8F72-021036E4C90A}" type="datetimeFigureOut">
               <a:rPr kumimoji="1" lang="zh-CN" altLang="en-US" smtClean="0"/>
-              <a:t>2018/1/26</a:t>
+              <a:t>2018/2/6</a:t>
             </a:fld>
             <a:endParaRPr kumimoji="1" lang="zh-CN" altLang="en-US"/>
           </a:p>
@@ -976,7 +1144,7 @@
           <a:p>
             <a:fld id="{43DBB203-77DC-FE45-8F72-021036E4C90A}" type="datetimeFigureOut">
               <a:rPr kumimoji="1" lang="zh-CN" altLang="en-US" smtClean="0"/>
-              <a:t>2018/1/26</a:t>
+              <a:t>2018/2/6</a:t>
             </a:fld>
             <a:endParaRPr kumimoji="1" lang="zh-CN" altLang="en-US"/>
           </a:p>
@@ -1146,7 +1314,7 @@
           <a:p>
             <a:fld id="{43DBB203-77DC-FE45-8F72-021036E4C90A}" type="datetimeFigureOut">
               <a:rPr kumimoji="1" lang="zh-CN" altLang="en-US" smtClean="0"/>
-              <a:t>2018/1/26</a:t>
+              <a:t>2018/2/6</a:t>
             </a:fld>
             <a:endParaRPr kumimoji="1" lang="zh-CN" altLang="en-US"/>
           </a:p>
@@ -1392,7 +1560,7 @@
           <a:p>
             <a:fld id="{43DBB203-77DC-FE45-8F72-021036E4C90A}" type="datetimeFigureOut">
               <a:rPr kumimoji="1" lang="zh-CN" altLang="en-US" smtClean="0"/>
-              <a:t>2018/1/26</a:t>
+              <a:t>2018/2/6</a:t>
             </a:fld>
             <a:endParaRPr kumimoji="1" lang="zh-CN" altLang="en-US"/>
           </a:p>
@@ -1624,7 +1792,7 @@
           <a:p>
             <a:fld id="{43DBB203-77DC-FE45-8F72-021036E4C90A}" type="datetimeFigureOut">
               <a:rPr kumimoji="1" lang="zh-CN" altLang="en-US" smtClean="0"/>
-              <a:t>2018/1/26</a:t>
+              <a:t>2018/2/6</a:t>
             </a:fld>
             <a:endParaRPr kumimoji="1" lang="zh-CN" altLang="en-US"/>
           </a:p>
@@ -1991,7 +2159,7 @@
           <a:p>
             <a:fld id="{43DBB203-77DC-FE45-8F72-021036E4C90A}" type="datetimeFigureOut">
               <a:rPr kumimoji="1" lang="zh-CN" altLang="en-US" smtClean="0"/>
-              <a:t>2018/1/26</a:t>
+              <a:t>2018/2/6</a:t>
             </a:fld>
             <a:endParaRPr kumimoji="1" lang="zh-CN" altLang="en-US"/>
           </a:p>
@@ -2109,7 +2277,7 @@
           <a:p>
             <a:fld id="{43DBB203-77DC-FE45-8F72-021036E4C90A}" type="datetimeFigureOut">
               <a:rPr kumimoji="1" lang="zh-CN" altLang="en-US" smtClean="0"/>
-              <a:t>2018/1/26</a:t>
+              <a:t>2018/2/6</a:t>
             </a:fld>
             <a:endParaRPr kumimoji="1" lang="zh-CN" altLang="en-US"/>
           </a:p>
@@ -2204,7 +2372,7 @@
           <a:p>
             <a:fld id="{43DBB203-77DC-FE45-8F72-021036E4C90A}" type="datetimeFigureOut">
               <a:rPr kumimoji="1" lang="zh-CN" altLang="en-US" smtClean="0"/>
-              <a:t>2018/1/26</a:t>
+              <a:t>2018/2/6</a:t>
             </a:fld>
             <a:endParaRPr kumimoji="1" lang="zh-CN" altLang="en-US"/>
           </a:p>
@@ -2481,7 +2649,7 @@
           <a:p>
             <a:fld id="{43DBB203-77DC-FE45-8F72-021036E4C90A}" type="datetimeFigureOut">
               <a:rPr kumimoji="1" lang="zh-CN" altLang="en-US" smtClean="0"/>
-              <a:t>2018/1/26</a:t>
+              <a:t>2018/2/6</a:t>
             </a:fld>
             <a:endParaRPr kumimoji="1" lang="zh-CN" altLang="en-US"/>
           </a:p>
@@ -2734,7 +2902,7 @@
           <a:p>
             <a:fld id="{43DBB203-77DC-FE45-8F72-021036E4C90A}" type="datetimeFigureOut">
               <a:rPr kumimoji="1" lang="zh-CN" altLang="en-US" smtClean="0"/>
-              <a:t>2018/1/26</a:t>
+              <a:t>2018/2/6</a:t>
             </a:fld>
             <a:endParaRPr kumimoji="1" lang="zh-CN" altLang="en-US"/>
           </a:p>
@@ -2975,7 +3143,7 @@
           <a:p>
             <a:fld id="{43DBB203-77DC-FE45-8F72-021036E4C90A}" type="datetimeFigureOut">
               <a:rPr kumimoji="1" lang="zh-CN" altLang="en-US" smtClean="0"/>
-              <a:t>2018/1/26</a:t>
+              <a:t>2018/2/6</a:t>
             </a:fld>
             <a:endParaRPr kumimoji="1" lang="zh-CN" altLang="en-US"/>
           </a:p>
@@ -5884,7 +6052,7 @@
           <p:nvPr/>
         </p:nvPicPr>
         <p:blipFill>
-          <a:blip r:embed="rId2"/>
+          <a:blip r:embed="rId3"/>
           <a:stretch>
             <a:fillRect/>
           </a:stretch>
@@ -6322,15 +6490,15 @@
         </p:nvCxnSpPr>
         <p:spPr>
           <a:xfrm flipH="1" flipV="1">
-            <a:off x="4170288" y="5513551"/>
-            <a:ext cx="2499528" cy="1"/>
+            <a:off x="6096000" y="8047636"/>
+            <a:ext cx="5607724" cy="38127"/>
           </a:xfrm>
           <a:prstGeom prst="straightConnector1">
             <a:avLst/>
           </a:prstGeom>
           <a:ln w="38100">
             <a:solidFill>
-              <a:schemeClr val="accent1"/>
+              <a:schemeClr val="accent4"/>
             </a:solidFill>
             <a:tailEnd type="triangle"/>
           </a:ln>
@@ -6627,9 +6795,9 @@
           <p:nvPr/>
         </p:nvSpPr>
         <p:spPr>
-          <a:xfrm rot="2058448">
-            <a:off x="5740820" y="3406227"/>
-            <a:ext cx="1247550" cy="1102037"/>
+          <a:xfrm rot="2392536">
+            <a:off x="11054186" y="6244727"/>
+            <a:ext cx="1400914" cy="1564818"/>
           </a:xfrm>
           <a:prstGeom prst="rect">
             <a:avLst/>
@@ -6656,7 +6824,11 @@
           <a:lstStyle/>
           <a:p>
             <a:pPr algn="ctr"/>
-            <a:endParaRPr kumimoji="1" lang="zh-CN" altLang="en-US"/>
+            <a:r>
+              <a:rPr kumimoji="1" lang="en-US" altLang="zh-CN" dirty="0" smtClean="0"/>
+              <a:t>z</a:t>
+            </a:r>
+            <a:endParaRPr kumimoji="1" lang="zh-CN" altLang="en-US" dirty="0"/>
           </a:p>
         </p:txBody>
       </p:sp>
@@ -6668,12 +6840,17 @@
         </p:nvCxnSpPr>
         <p:spPr>
           <a:xfrm flipH="1" flipV="1">
-            <a:off x="5142028" y="3391758"/>
-            <a:ext cx="3026398" cy="1347153"/>
+            <a:off x="8563356" y="5523507"/>
+            <a:ext cx="3872485" cy="3166576"/>
           </a:xfrm>
           <a:prstGeom prst="line">
             <a:avLst/>
           </a:prstGeom>
+          <a:ln>
+            <a:solidFill>
+              <a:schemeClr val="accent4"/>
+            </a:solidFill>
+          </a:ln>
         </p:spPr>
         <p:style>
           <a:lnRef idx="1">
@@ -6750,6 +6927,237 @@
           </a:fontRef>
         </p:style>
       </p:cxnSp>
+      <p:sp>
+        <p:nvSpPr>
+          <p:cNvPr id="12" name="椭圆 11"/>
+          <p:cNvSpPr/>
+          <p:nvPr/>
+        </p:nvSpPr>
+        <p:spPr>
+          <a:xfrm>
+            <a:off x="11372506" y="7259970"/>
+            <a:ext cx="209017" cy="201534"/>
+          </a:xfrm>
+          <a:prstGeom prst="ellipse">
+            <a:avLst/>
+          </a:prstGeom>
+        </p:spPr>
+        <p:style>
+          <a:lnRef idx="2">
+            <a:schemeClr val="dk1">
+              <a:shade val="50000"/>
+            </a:schemeClr>
+          </a:lnRef>
+          <a:fillRef idx="1">
+            <a:schemeClr val="dk1"/>
+          </a:fillRef>
+          <a:effectRef idx="0">
+            <a:schemeClr val="dk1"/>
+          </a:effectRef>
+          <a:fontRef idx="minor">
+            <a:schemeClr val="lt1"/>
+          </a:fontRef>
+        </p:style>
+        <p:txBody>
+          <a:bodyPr rtlCol="0" anchor="ctr"/>
+          <a:lstStyle/>
+          <a:p>
+            <a:pPr algn="ctr"/>
+            <a:endParaRPr kumimoji="1" lang="zh-CN" altLang="en-US">
+              <a:solidFill>
+                <a:srgbClr val="FF0000"/>
+              </a:solidFill>
+            </a:endParaRPr>
+          </a:p>
+        </p:txBody>
+      </p:sp>
+      <p:sp>
+        <p:nvSpPr>
+          <p:cNvPr id="27" name="矩形 26"/>
+          <p:cNvSpPr/>
+          <p:nvPr/>
+        </p:nvSpPr>
+        <p:spPr>
+          <a:xfrm rot="2293028">
+            <a:off x="9360826" y="4883160"/>
+            <a:ext cx="1400914" cy="1564818"/>
+          </a:xfrm>
+          <a:prstGeom prst="rect">
+            <a:avLst/>
+          </a:prstGeom>
+        </p:spPr>
+        <p:style>
+          <a:lnRef idx="2">
+            <a:schemeClr val="accent1">
+              <a:shade val="50000"/>
+            </a:schemeClr>
+          </a:lnRef>
+          <a:fillRef idx="1">
+            <a:schemeClr val="accent1"/>
+          </a:fillRef>
+          <a:effectRef idx="0">
+            <a:schemeClr val="accent1"/>
+          </a:effectRef>
+          <a:fontRef idx="minor">
+            <a:schemeClr val="lt1"/>
+          </a:fontRef>
+        </p:style>
+        <p:txBody>
+          <a:bodyPr rtlCol="0" anchor="ctr"/>
+          <a:lstStyle/>
+          <a:p>
+            <a:pPr algn="ctr"/>
+            <a:r>
+              <a:rPr kumimoji="1" lang="en-US" altLang="zh-CN" smtClean="0"/>
+              <a:t>z</a:t>
+            </a:r>
+            <a:endParaRPr kumimoji="1" lang="zh-CN" altLang="en-US" dirty="0"/>
+          </a:p>
+        </p:txBody>
+      </p:sp>
+      <p:cxnSp>
+        <p:nvCxnSpPr>
+          <p:cNvPr id="29" name="直线箭头连接符 28"/>
+          <p:cNvCxnSpPr>
+            <a:stCxn id="12" idx="2"/>
+          </p:cNvCxnSpPr>
+          <p:nvPr/>
+        </p:nvCxnSpPr>
+        <p:spPr>
+          <a:xfrm flipH="1" flipV="1">
+            <a:off x="10061284" y="5694724"/>
+            <a:ext cx="1311222" cy="1666013"/>
+          </a:xfrm>
+          <a:prstGeom prst="straightConnector1">
+            <a:avLst/>
+          </a:prstGeom>
+          <a:ln cmpd="thickThin">
+            <a:solidFill>
+              <a:srgbClr val="FF0000"/>
+            </a:solidFill>
+            <a:prstDash val="solid"/>
+            <a:tailEnd type="triangle"/>
+          </a:ln>
+        </p:spPr>
+        <p:style>
+          <a:lnRef idx="1">
+            <a:schemeClr val="accent1"/>
+          </a:lnRef>
+          <a:fillRef idx="0">
+            <a:schemeClr val="accent1"/>
+          </a:fillRef>
+          <a:effectRef idx="0">
+            <a:schemeClr val="accent1"/>
+          </a:effectRef>
+          <a:fontRef idx="minor">
+            <a:schemeClr val="tx1"/>
+          </a:fontRef>
+        </p:style>
+      </p:cxnSp>
+      <p:sp>
+        <p:nvSpPr>
+          <p:cNvPr id="33" name="文本框 32"/>
+          <p:cNvSpPr txBox="1"/>
+          <p:nvPr/>
+        </p:nvSpPr>
+        <p:spPr>
+          <a:xfrm>
+            <a:off x="10643616" y="7735824"/>
+            <a:ext cx="537327" cy="369332"/>
+          </a:xfrm>
+          <a:prstGeom prst="rect">
+            <a:avLst/>
+          </a:prstGeom>
+          <a:noFill/>
+        </p:spPr>
+        <p:txBody>
+          <a:bodyPr wrap="none" rtlCol="0">
+            <a:spAutoFit/>
+          </a:bodyPr>
+          <a:lstStyle/>
+          <a:p>
+            <a:r>
+              <a:rPr kumimoji="1" lang="zh-CN" altLang="en-US" dirty="0" smtClean="0"/>
+              <a:t>角</a:t>
+            </a:r>
+            <a:r>
+              <a:rPr kumimoji="1" lang="en-US" altLang="zh-CN" dirty="0" smtClean="0"/>
+              <a:t>1</a:t>
+            </a:r>
+            <a:endParaRPr kumimoji="1" lang="zh-CN" altLang="en-US" dirty="0"/>
+          </a:p>
+        </p:txBody>
+      </p:sp>
+      <p:cxnSp>
+        <p:nvCxnSpPr>
+          <p:cNvPr id="36" name="直线箭头连接符 35"/>
+          <p:cNvCxnSpPr/>
+          <p:nvPr/>
+        </p:nvCxnSpPr>
+        <p:spPr>
+          <a:xfrm flipH="1" flipV="1">
+            <a:off x="5973799" y="7377140"/>
+            <a:ext cx="5607724" cy="38127"/>
+          </a:xfrm>
+          <a:prstGeom prst="straightConnector1">
+            <a:avLst/>
+          </a:prstGeom>
+          <a:ln w="38100">
+            <a:solidFill>
+              <a:srgbClr val="FF0000"/>
+            </a:solidFill>
+            <a:tailEnd type="triangle"/>
+          </a:ln>
+        </p:spPr>
+        <p:style>
+          <a:lnRef idx="1">
+            <a:schemeClr val="accent1"/>
+          </a:lnRef>
+          <a:fillRef idx="0">
+            <a:schemeClr val="accent1"/>
+          </a:fillRef>
+          <a:effectRef idx="0">
+            <a:schemeClr val="accent1"/>
+          </a:effectRef>
+          <a:fontRef idx="minor">
+            <a:schemeClr val="tx1"/>
+          </a:fontRef>
+        </p:style>
+      </p:cxnSp>
+      <p:sp>
+        <p:nvSpPr>
+          <p:cNvPr id="37" name="文本框 36"/>
+          <p:cNvSpPr txBox="1"/>
+          <p:nvPr/>
+        </p:nvSpPr>
+        <p:spPr>
+          <a:xfrm>
+            <a:off x="10506658" y="6954777"/>
+            <a:ext cx="537327" cy="369332"/>
+          </a:xfrm>
+          <a:prstGeom prst="rect">
+            <a:avLst/>
+          </a:prstGeom>
+          <a:noFill/>
+        </p:spPr>
+        <p:txBody>
+          <a:bodyPr wrap="none" rtlCol="0">
+            <a:spAutoFit/>
+          </a:bodyPr>
+          <a:lstStyle/>
+          <a:p>
+            <a:r>
+              <a:rPr kumimoji="1" lang="zh-CN" altLang="en-US" dirty="0" smtClean="0"/>
+              <a:t>角</a:t>
+            </a:r>
+            <a:r>
+              <a:rPr kumimoji="1" lang="en-US" altLang="zh-CN" dirty="0" smtClean="0"/>
+              <a:t>2</a:t>
+            </a:r>
+            <a:endParaRPr kumimoji="1" lang="zh-CN" altLang="en-US" dirty="0"/>
+          </a:p>
+        </p:txBody>
+      </p:sp>
     </p:spTree>
     <p:extLst>
       <p:ext uri="{BB962C8B-B14F-4D97-AF65-F5344CB8AC3E}">
